--- a/java/refJAVA/J03_01변수.pptx
+++ b/java/refJAVA/J03_01변수.pptx
@@ -3525,7 +3525,7 @@
         </p:nvSpPr>
         <p:spPr bwMode="auto">
           <a:xfrm>
-            <a:off x="1603375" y="908050"/>
+            <a:off x="769144" y="1009650"/>
             <a:ext cx="6210300" cy="641350"/>
           </a:xfrm>
           <a:prstGeom prst="rect">
@@ -3583,7 +3583,7 @@
         </p:blipFill>
         <p:spPr bwMode="auto">
           <a:xfrm>
-            <a:off x="2439988" y="2111375"/>
+            <a:off x="1728788" y="2378075"/>
             <a:ext cx="4291012" cy="3322638"/>
           </a:xfrm>
           <a:prstGeom prst="rect">
